--- a/3 am/2 العروض التقديمية/1 تصميم عرض تقديمي/cours 9/عرض الدرس.pptx
+++ b/3 am/2 العروض التقديمية/1 تصميم عرض تقديمي/cours 9/عرض الدرس.pptx
@@ -248,7 +248,7 @@
           <a:p>
             <a:fld id="{33E46DBA-FA3B-4C5F-B700-4671668DAB72}" type="datetimeFigureOut">
               <a:rPr lang="fr-FR" smtClean="0"/>
-              <a:t>10/02/2025</a:t>
+              <a:t>11/02/2025</a:t>
             </a:fld>
             <a:endParaRPr lang="fr-FR"/>
           </a:p>
@@ -418,7 +418,7 @@
           <a:p>
             <a:fld id="{33E46DBA-FA3B-4C5F-B700-4671668DAB72}" type="datetimeFigureOut">
               <a:rPr lang="fr-FR" smtClean="0"/>
-              <a:t>10/02/2025</a:t>
+              <a:t>11/02/2025</a:t>
             </a:fld>
             <a:endParaRPr lang="fr-FR"/>
           </a:p>
@@ -598,7 +598,7 @@
           <a:p>
             <a:fld id="{33E46DBA-FA3B-4C5F-B700-4671668DAB72}" type="datetimeFigureOut">
               <a:rPr lang="fr-FR" smtClean="0"/>
-              <a:t>10/02/2025</a:t>
+              <a:t>11/02/2025</a:t>
             </a:fld>
             <a:endParaRPr lang="fr-FR"/>
           </a:p>
@@ -768,7 +768,7 @@
           <a:p>
             <a:fld id="{33E46DBA-FA3B-4C5F-B700-4671668DAB72}" type="datetimeFigureOut">
               <a:rPr lang="fr-FR" smtClean="0"/>
-              <a:t>10/02/2025</a:t>
+              <a:t>11/02/2025</a:t>
             </a:fld>
             <a:endParaRPr lang="fr-FR"/>
           </a:p>
@@ -1014,7 +1014,7 @@
           <a:p>
             <a:fld id="{33E46DBA-FA3B-4C5F-B700-4671668DAB72}" type="datetimeFigureOut">
               <a:rPr lang="fr-FR" smtClean="0"/>
-              <a:t>10/02/2025</a:t>
+              <a:t>11/02/2025</a:t>
             </a:fld>
             <a:endParaRPr lang="fr-FR"/>
           </a:p>
@@ -1246,7 +1246,7 @@
           <a:p>
             <a:fld id="{33E46DBA-FA3B-4C5F-B700-4671668DAB72}" type="datetimeFigureOut">
               <a:rPr lang="fr-FR" smtClean="0"/>
-              <a:t>10/02/2025</a:t>
+              <a:t>11/02/2025</a:t>
             </a:fld>
             <a:endParaRPr lang="fr-FR"/>
           </a:p>
@@ -1613,7 +1613,7 @@
           <a:p>
             <a:fld id="{33E46DBA-FA3B-4C5F-B700-4671668DAB72}" type="datetimeFigureOut">
               <a:rPr lang="fr-FR" smtClean="0"/>
-              <a:t>10/02/2025</a:t>
+              <a:t>11/02/2025</a:t>
             </a:fld>
             <a:endParaRPr lang="fr-FR"/>
           </a:p>
@@ -1731,7 +1731,7 @@
           <a:p>
             <a:fld id="{33E46DBA-FA3B-4C5F-B700-4671668DAB72}" type="datetimeFigureOut">
               <a:rPr lang="fr-FR" smtClean="0"/>
-              <a:t>10/02/2025</a:t>
+              <a:t>11/02/2025</a:t>
             </a:fld>
             <a:endParaRPr lang="fr-FR"/>
           </a:p>
@@ -1826,7 +1826,7 @@
           <a:p>
             <a:fld id="{33E46DBA-FA3B-4C5F-B700-4671668DAB72}" type="datetimeFigureOut">
               <a:rPr lang="fr-FR" smtClean="0"/>
-              <a:t>10/02/2025</a:t>
+              <a:t>11/02/2025</a:t>
             </a:fld>
             <a:endParaRPr lang="fr-FR"/>
           </a:p>
@@ -2103,7 +2103,7 @@
           <a:p>
             <a:fld id="{33E46DBA-FA3B-4C5F-B700-4671668DAB72}" type="datetimeFigureOut">
               <a:rPr lang="fr-FR" smtClean="0"/>
-              <a:t>10/02/2025</a:t>
+              <a:t>11/02/2025</a:t>
             </a:fld>
             <a:endParaRPr lang="fr-FR"/>
           </a:p>
@@ -2356,7 +2356,7 @@
           <a:p>
             <a:fld id="{33E46DBA-FA3B-4C5F-B700-4671668DAB72}" type="datetimeFigureOut">
               <a:rPr lang="fr-FR" smtClean="0"/>
-              <a:t>10/02/2025</a:t>
+              <a:t>11/02/2025</a:t>
             </a:fld>
             <a:endParaRPr lang="fr-FR"/>
           </a:p>
@@ -2569,7 +2569,7 @@
           <a:p>
             <a:fld id="{33E46DBA-FA3B-4C5F-B700-4671668DAB72}" type="datetimeFigureOut">
               <a:rPr lang="fr-FR" smtClean="0"/>
-              <a:t>10/02/2025</a:t>
+              <a:t>11/02/2025</a:t>
             </a:fld>
             <a:endParaRPr lang="fr-FR"/>
           </a:p>
@@ -3034,7 +3034,7 @@
           <p:cNvPr id="6" name="Rectangle : coins arrondis 12">
             <a:extLst>
               <a:ext uri="{FF2B5EF4-FFF2-40B4-BE49-F238E27FC236}">
-                <a16:creationId xmlns:a16="http://schemas.microsoft.com/office/drawing/2014/main" xmlns="" id="{2A52F28A-4066-7F20-F61B-78B99AF33888}"/>
+                <a16:creationId xmlns="" xmlns:a16="http://schemas.microsoft.com/office/drawing/2014/main" id="{2A52F28A-4066-7F20-F61B-78B99AF33888}"/>
               </a:ext>
             </a:extLst>
           </p:cNvPr>
@@ -3167,10 +3167,16 @@
               <a:t> </a:t>
             </a:r>
             <a:r>
+              <a:rPr lang="ar-DZ" sz="4000" dirty="0" err="1" smtClean="0">
+                <a:cs typeface="+mj-cs"/>
+              </a:rPr>
+              <a:t>يوافقها</a:t>
+            </a:r>
+            <a:r>
               <a:rPr lang="ar-DZ" sz="4000" dirty="0" smtClean="0">
                 <a:cs typeface="+mj-cs"/>
               </a:rPr>
-              <a:t>وافقها </a:t>
+              <a:t> </a:t>
             </a:r>
             <a:r>
               <a:rPr lang="ar-DZ" sz="4000" dirty="0">
@@ -3247,7 +3253,7 @@
           <p:cNvPr id="12" name="ZoneTexte 11">
             <a:extLst>
               <a:ext uri="{FF2B5EF4-FFF2-40B4-BE49-F238E27FC236}">
-                <a16:creationId xmlns:a16="http://schemas.microsoft.com/office/drawing/2014/main" xmlns="" id="{0B494AC6-9B2E-422F-B16A-015D6B0BA580}"/>
+                <a16:creationId xmlns="" xmlns:a16="http://schemas.microsoft.com/office/drawing/2014/main" id="{0B494AC6-9B2E-422F-B16A-015D6B0BA580}"/>
               </a:ext>
             </a:extLst>
           </p:cNvPr>
@@ -3306,7 +3312,7 @@
           <p:cNvPr id="11" name="Rectangle 8">
             <a:extLst>
               <a:ext uri="{FF2B5EF4-FFF2-40B4-BE49-F238E27FC236}">
-                <a16:creationId xmlns:a16="http://schemas.microsoft.com/office/drawing/2014/main" xmlns="" id="{31EC9893-997B-FAF1-44A7-86DC576C44E1}"/>
+                <a16:creationId xmlns="" xmlns:a16="http://schemas.microsoft.com/office/drawing/2014/main" id="{31EC9893-997B-FAF1-44A7-86DC576C44E1}"/>
               </a:ext>
             </a:extLst>
           </p:cNvPr>
@@ -3622,7 +3628,7 @@
           <p:cNvPr id="13" name="Rectangle 9">
             <a:extLst>
               <a:ext uri="{FF2B5EF4-FFF2-40B4-BE49-F238E27FC236}">
-                <a16:creationId xmlns:a16="http://schemas.microsoft.com/office/drawing/2014/main" xmlns="" id="{894EDA96-9226-5939-95FB-4A21ACC79E4A}"/>
+                <a16:creationId xmlns="" xmlns:a16="http://schemas.microsoft.com/office/drawing/2014/main" id="{894EDA96-9226-5939-95FB-4A21ACC79E4A}"/>
               </a:ext>
             </a:extLst>
           </p:cNvPr>
@@ -3854,7 +3860,7 @@
           <p:cNvPr id="12" name="ZoneTexte 11">
             <a:extLst>
               <a:ext uri="{FF2B5EF4-FFF2-40B4-BE49-F238E27FC236}">
-                <a16:creationId xmlns:a16="http://schemas.microsoft.com/office/drawing/2014/main" xmlns="" id="{0B494AC6-9B2E-422F-B16A-015D6B0BA580}"/>
+                <a16:creationId xmlns="" xmlns:a16="http://schemas.microsoft.com/office/drawing/2014/main" id="{0B494AC6-9B2E-422F-B16A-015D6B0BA580}"/>
               </a:ext>
             </a:extLst>
           </p:cNvPr>
@@ -3913,7 +3919,7 @@
           <p:cNvPr id="11" name="Rectangle 8">
             <a:extLst>
               <a:ext uri="{FF2B5EF4-FFF2-40B4-BE49-F238E27FC236}">
-                <a16:creationId xmlns:a16="http://schemas.microsoft.com/office/drawing/2014/main" xmlns="" id="{31EC9893-997B-FAF1-44A7-86DC576C44E1}"/>
+                <a16:creationId xmlns="" xmlns:a16="http://schemas.microsoft.com/office/drawing/2014/main" id="{31EC9893-997B-FAF1-44A7-86DC576C44E1}"/>
               </a:ext>
             </a:extLst>
           </p:cNvPr>
@@ -4313,7 +4319,7 @@
           <p:cNvPr id="13" name="Rectangle 9">
             <a:extLst>
               <a:ext uri="{FF2B5EF4-FFF2-40B4-BE49-F238E27FC236}">
-                <a16:creationId xmlns:a16="http://schemas.microsoft.com/office/drawing/2014/main" xmlns="" id="{894EDA96-9226-5939-95FB-4A21ACC79E4A}"/>
+                <a16:creationId xmlns="" xmlns:a16="http://schemas.microsoft.com/office/drawing/2014/main" id="{894EDA96-9226-5939-95FB-4A21ACC79E4A}"/>
               </a:ext>
             </a:extLst>
           </p:cNvPr>
